--- a/WebLecture/Lecture4-HTML-CSS.pptx
+++ b/WebLecture/Lecture4-HTML-CSS.pptx
@@ -221,7 +221,7 @@
             <a:fld id="{8BEFEC64-3B02-48AC-B709-B2823D518D38}" type="datetimeFigureOut">
               <a:rPr lang="zh-CN" altLang="en-US" smtClean="0"/>
               <a:pPr/>
-              <a:t>2021/3/27</a:t>
+              <a:t>2021/3/28</a:t>
             </a:fld>
             <a:endParaRPr lang="zh-CN" altLang="en-US" dirty="0"/>
           </a:p>
@@ -622,7 +622,7 @@
           <a:p>
             <a:fld id="{82F288E0-7875-42C4-84C8-98DBBD3BF4D2}" type="datetimeFigureOut">
               <a:rPr lang="zh-CN" altLang="en-US" smtClean="0"/>
-              <a:t>2021/3/27</a:t>
+              <a:t>2021/3/28</a:t>
             </a:fld>
             <a:endParaRPr lang="zh-CN" altLang="en-US"/>
           </a:p>
@@ -768,7 +768,7 @@
           <a:p>
             <a:fld id="{82F288E0-7875-42C4-84C8-98DBBD3BF4D2}" type="datetimeFigureOut">
               <a:rPr lang="zh-CN" altLang="en-US" smtClean="0"/>
-              <a:t>2021/3/27</a:t>
+              <a:t>2021/3/28</a:t>
             </a:fld>
             <a:endParaRPr lang="zh-CN" altLang="en-US"/>
           </a:p>
@@ -931,7 +931,7 @@
           <a:p>
             <a:fld id="{82F288E0-7875-42C4-84C8-98DBBD3BF4D2}" type="datetimeFigureOut">
               <a:rPr lang="zh-CN" altLang="en-US" smtClean="0"/>
-              <a:t>2021/3/27</a:t>
+              <a:t>2021/3/28</a:t>
             </a:fld>
             <a:endParaRPr lang="zh-CN" altLang="en-US"/>
           </a:p>
@@ -1171,7 +1171,7 @@
           <a:p>
             <a:fld id="{82F288E0-7875-42C4-84C8-98DBBD3BF4D2}" type="datetimeFigureOut">
               <a:rPr lang="zh-CN" altLang="en-US" smtClean="0"/>
-              <a:t>2021/3/27</a:t>
+              <a:t>2021/3/28</a:t>
             </a:fld>
             <a:endParaRPr lang="zh-CN" altLang="en-US"/>
           </a:p>
@@ -1395,7 +1395,7 @@
           <a:p>
             <a:fld id="{82F288E0-7875-42C4-84C8-98DBBD3BF4D2}" type="datetimeFigureOut">
               <a:rPr lang="zh-CN" altLang="en-US" smtClean="0"/>
-              <a:t>2021/3/27</a:t>
+              <a:t>2021/3/28</a:t>
             </a:fld>
             <a:endParaRPr lang="zh-CN" altLang="en-US"/>
           </a:p>
@@ -1754,7 +1754,7 @@
           <a:p>
             <a:fld id="{82F288E0-7875-42C4-84C8-98DBBD3BF4D2}" type="datetimeFigureOut">
               <a:rPr lang="zh-CN" altLang="en-US" smtClean="0"/>
-              <a:t>2021/3/27</a:t>
+              <a:t>2021/3/28</a:t>
             </a:fld>
             <a:endParaRPr lang="zh-CN" altLang="en-US"/>
           </a:p>
@@ -1866,7 +1866,7 @@
           <a:p>
             <a:fld id="{82F288E0-7875-42C4-84C8-98DBBD3BF4D2}" type="datetimeFigureOut">
               <a:rPr lang="zh-CN" altLang="en-US" smtClean="0"/>
-              <a:t>2021/3/27</a:t>
+              <a:t>2021/3/28</a:t>
             </a:fld>
             <a:endParaRPr lang="zh-CN" altLang="en-US"/>
           </a:p>
@@ -1956,7 +1956,7 @@
           <a:p>
             <a:fld id="{82F288E0-7875-42C4-84C8-98DBBD3BF4D2}" type="datetimeFigureOut">
               <a:rPr lang="zh-CN" altLang="en-US" smtClean="0"/>
-              <a:t>2021/3/27</a:t>
+              <a:t>2021/3/28</a:t>
             </a:fld>
             <a:endParaRPr lang="zh-CN" altLang="en-US"/>
           </a:p>
@@ -2203,7 +2203,7 @@
           <a:p>
             <a:fld id="{82F288E0-7875-42C4-84C8-98DBBD3BF4D2}" type="datetimeFigureOut">
               <a:rPr lang="zh-CN" altLang="en-US" smtClean="0"/>
-              <a:t>2021/3/27</a:t>
+              <a:t>2021/3/28</a:t>
             </a:fld>
             <a:endParaRPr lang="zh-CN" altLang="en-US"/>
           </a:p>
@@ -2376,7 +2376,7 @@
           <a:p>
             <a:fld id="{82F288E0-7875-42C4-84C8-98DBBD3BF4D2}" type="datetimeFigureOut">
               <a:rPr lang="zh-CN" altLang="en-US" smtClean="0"/>
-              <a:t>2021/3/27</a:t>
+              <a:t>2021/3/28</a:t>
             </a:fld>
             <a:endParaRPr lang="zh-CN" altLang="en-US"/>
           </a:p>
@@ -2590,7 +2590,7 @@
             <a:fld id="{82F288E0-7875-42C4-84C8-98DBBD3BF4D2}" type="datetimeFigureOut">
               <a:rPr lang="zh-CN" altLang="en-US" smtClean="0"/>
               <a:pPr/>
-              <a:t>2021/3/27</a:t>
+              <a:t>2021/3/28</a:t>
             </a:fld>
             <a:endParaRPr lang="zh-CN" altLang="en-US" dirty="0"/>
           </a:p>
@@ -16382,7 +16382,7 @@
         </p:nvSpPr>
         <p:spPr>
           <a:xfrm>
-            <a:off x="2931111" y="617701"/>
+            <a:off x="3312851" y="532423"/>
             <a:ext cx="5921406" cy="584775"/>
           </a:xfrm>
           <a:prstGeom prst="rect">
@@ -16523,7 +16523,7 @@
         </p:nvSpPr>
         <p:spPr>
           <a:xfrm>
-            <a:off x="4009007" y="2514312"/>
+            <a:off x="999477" y="2514312"/>
             <a:ext cx="4173986" cy="3359061"/>
           </a:xfrm>
           <a:prstGeom prst="rect">
@@ -16545,13 +16545,35 @@
               <a:buAutoNum type="arabicPeriod"/>
             </a:pPr>
             <a:r>
-              <a:rPr lang="en-US" sz="2400" dirty="0">
+              <a:rPr lang="en-CA" sz="2400" dirty="0">
                 <a:solidFill>
                   <a:srgbClr val="FF0000"/>
                 </a:solidFill>
-              </a:rPr>
-              <a:t>Name1</a:t>
-            </a:r>
+                <a:highlight>
+                  <a:srgbClr val="00FF00"/>
+                </a:highlight>
+              </a:rPr>
+              <a:t>Eric                        10 M</a:t>
+            </a:r>
+            <a:r>
+              <a:rPr lang="en-US" altLang="zh-CN" sz="2400" dirty="0">
+                <a:solidFill>
+                  <a:srgbClr val="FF0000"/>
+                </a:solidFill>
+                <a:highlight>
+                  <a:srgbClr val="00FF00"/>
+                </a:highlight>
+              </a:rPr>
+              <a:t>ins</a:t>
+            </a:r>
+            <a:endParaRPr lang="en-CA" sz="2400" dirty="0">
+              <a:solidFill>
+                <a:srgbClr val="FF0000"/>
+              </a:solidFill>
+              <a:highlight>
+                <a:srgbClr val="00FF00"/>
+              </a:highlight>
+            </a:endParaRPr>
           </a:p>
           <a:p>
             <a:pPr marL="457200" indent="-457200">
@@ -16566,8 +16588,11 @@
                 <a:solidFill>
                   <a:srgbClr val="FF0000"/>
                 </a:solidFill>
-              </a:rPr>
-              <a:t>Name2</a:t>
+                <a:highlight>
+                  <a:srgbClr val="00FF00"/>
+                </a:highlight>
+              </a:rPr>
+              <a:t>David                    10 Mins</a:t>
             </a:r>
           </a:p>
           <a:p>
@@ -16583,8 +16608,11 @@
                 <a:solidFill>
                   <a:srgbClr val="FF0000"/>
                 </a:solidFill>
-              </a:rPr>
-              <a:t>Name3</a:t>
+                <a:highlight>
+                  <a:srgbClr val="00FF00"/>
+                </a:highlight>
+              </a:rPr>
+              <a:t>Vincent                10 Mins              </a:t>
             </a:r>
           </a:p>
           <a:p>
@@ -16600,8 +16628,11 @@
                 <a:solidFill>
                   <a:srgbClr val="FF0000"/>
                 </a:solidFill>
-              </a:rPr>
-              <a:t>Name4</a:t>
+                <a:highlight>
+                  <a:srgbClr val="00FF00"/>
+                </a:highlight>
+              </a:rPr>
+              <a:t>Jeremy                 10 Mins      </a:t>
             </a:r>
           </a:p>
           <a:p>
@@ -16613,12 +16644,26 @@
               <a:buAutoNum type="arabicPeriod"/>
             </a:pPr>
             <a:r>
+              <a:rPr lang="en-CA" sz="2400" dirty="0" err="1">
+                <a:solidFill>
+                  <a:srgbClr val="FF0000"/>
+                </a:solidFill>
+                <a:highlight>
+                  <a:srgbClr val="00FF00"/>
+                </a:highlight>
+              </a:rPr>
+              <a:t>Vivianne</a:t>
+            </a:r>
+            <a:r>
               <a:rPr lang="en-CA" sz="2400" dirty="0">
                 <a:solidFill>
                   <a:srgbClr val="FF0000"/>
                 </a:solidFill>
-              </a:rPr>
-              <a:t>Name5</a:t>
+                <a:highlight>
+                  <a:srgbClr val="00FF00"/>
+                </a:highlight>
+              </a:rPr>
+              <a:t>              10 Mins</a:t>
             </a:r>
           </a:p>
           <a:p>
@@ -16634,14 +16679,185 @@
                 <a:solidFill>
                   <a:srgbClr val="FF0000"/>
                 </a:solidFill>
-              </a:rPr>
-              <a:t>Name6</a:t>
+                <a:highlight>
+                  <a:srgbClr val="00FF00"/>
+                </a:highlight>
+              </a:rPr>
+              <a:t>Helen                   10 Mins</a:t>
             </a:r>
             <a:endParaRPr lang="en-US" sz="2400" dirty="0">
               <a:solidFill>
                 <a:srgbClr val="FF0000"/>
               </a:solidFill>
+              <a:highlight>
+                <a:srgbClr val="00FF00"/>
+              </a:highlight>
             </a:endParaRPr>
+          </a:p>
+        </p:txBody>
+      </p:sp>
+      <p:sp>
+        <p:nvSpPr>
+          <p:cNvPr id="7" name="TextBox 6">
+            <a:extLst>
+              <a:ext uri="{FF2B5EF4-FFF2-40B4-BE49-F238E27FC236}">
+                <a16:creationId xmlns:a16="http://schemas.microsoft.com/office/drawing/2014/main" id="{40C16770-E132-418D-8B94-448E41CB26C1}"/>
+              </a:ext>
+            </a:extLst>
+          </p:cNvPr>
+          <p:cNvSpPr txBox="1"/>
+          <p:nvPr/>
+        </p:nvSpPr>
+        <p:spPr>
+          <a:xfrm>
+            <a:off x="5847425" y="2576678"/>
+            <a:ext cx="5098001" cy="3359061"/>
+          </a:xfrm>
+          <a:prstGeom prst="rect">
+            <a:avLst/>
+          </a:prstGeom>
+        </p:spPr>
+        <p:style>
+          <a:lnRef idx="0">
+            <a:schemeClr val="accent5"/>
+          </a:lnRef>
+          <a:fillRef idx="3">
+            <a:schemeClr val="accent5"/>
+          </a:fillRef>
+          <a:effectRef idx="3">
+            <a:schemeClr val="accent5"/>
+          </a:effectRef>
+          <a:fontRef idx="minor">
+            <a:schemeClr val="lt1"/>
+          </a:fontRef>
+        </p:style>
+        <p:txBody>
+          <a:bodyPr wrap="square">
+            <a:spAutoFit/>
+          </a:bodyPr>
+          <a:lstStyle/>
+          <a:p>
+            <a:pPr marL="342900" indent="-342900">
+              <a:lnSpc>
+                <a:spcPct val="150000"/>
+              </a:lnSpc>
+              <a:buFont typeface="Wingdings" panose="05000000000000000000" pitchFamily="2" charset="2"/>
+              <a:buChar char="§"/>
+            </a:pPr>
+            <a:r>
+              <a:rPr lang="en-US" sz="2400" dirty="0">
+                <a:solidFill>
+                  <a:srgbClr val="FFFF00"/>
+                </a:solidFill>
+              </a:rPr>
+              <a:t>Introduction of your project</a:t>
+            </a:r>
+          </a:p>
+          <a:p>
+            <a:pPr marL="342900" indent="-342900">
+              <a:lnSpc>
+                <a:spcPct val="150000"/>
+              </a:lnSpc>
+              <a:buFont typeface="Wingdings" panose="05000000000000000000" pitchFamily="2" charset="2"/>
+              <a:buChar char="§"/>
+            </a:pPr>
+            <a:r>
+              <a:rPr lang="en-US" sz="2400" dirty="0">
+                <a:solidFill>
+                  <a:srgbClr val="FFFF00"/>
+                </a:solidFill>
+              </a:rPr>
+              <a:t>Present the static website project</a:t>
+            </a:r>
+          </a:p>
+          <a:p>
+            <a:pPr marL="342900" indent="-342900">
+              <a:lnSpc>
+                <a:spcPct val="150000"/>
+              </a:lnSpc>
+              <a:buFont typeface="Wingdings" panose="05000000000000000000" pitchFamily="2" charset="2"/>
+              <a:buChar char="§"/>
+            </a:pPr>
+            <a:r>
+              <a:rPr lang="en-US" sz="2400" dirty="0">
+                <a:solidFill>
+                  <a:srgbClr val="FFFF00"/>
+                </a:solidFill>
+              </a:rPr>
+              <a:t>Functionality of website</a:t>
+            </a:r>
+          </a:p>
+          <a:p>
+            <a:pPr marL="342900" indent="-342900">
+              <a:lnSpc>
+                <a:spcPct val="150000"/>
+              </a:lnSpc>
+              <a:buFont typeface="Wingdings" panose="05000000000000000000" pitchFamily="2" charset="2"/>
+              <a:buChar char="§"/>
+            </a:pPr>
+            <a:r>
+              <a:rPr lang="en-US" sz="2400" dirty="0">
+                <a:solidFill>
+                  <a:srgbClr val="FFFF00"/>
+                </a:solidFill>
+              </a:rPr>
+              <a:t>Code resource and file structure</a:t>
+            </a:r>
+          </a:p>
+          <a:p>
+            <a:pPr marL="342900" indent="-342900">
+              <a:lnSpc>
+                <a:spcPct val="150000"/>
+              </a:lnSpc>
+              <a:buFont typeface="Wingdings" panose="05000000000000000000" pitchFamily="2" charset="2"/>
+              <a:buChar char="§"/>
+            </a:pPr>
+            <a:r>
+              <a:rPr lang="en-US" sz="2400" dirty="0" err="1">
+                <a:solidFill>
+                  <a:srgbClr val="FFFF00"/>
+                </a:solidFill>
+              </a:rPr>
+              <a:t>WebSite</a:t>
+            </a:r>
+            <a:r>
+              <a:rPr lang="en-US" sz="2400" dirty="0">
+                <a:solidFill>
+                  <a:srgbClr val="FFFF00"/>
+                </a:solidFill>
+              </a:rPr>
+              <a:t> </a:t>
+            </a:r>
+            <a:r>
+              <a:rPr lang="en-CA" sz="2400" dirty="0">
+                <a:solidFill>
+                  <a:srgbClr val="FFFF00"/>
+                </a:solidFill>
+              </a:rPr>
+              <a:t>layout and design styling</a:t>
+            </a:r>
+            <a:endParaRPr lang="en-US" sz="2400" dirty="0">
+              <a:solidFill>
+                <a:srgbClr val="FFFF00"/>
+              </a:solidFill>
+            </a:endParaRPr>
+          </a:p>
+          <a:p>
+            <a:pPr marL="342900" indent="-342900">
+              <a:lnSpc>
+                <a:spcPct val="150000"/>
+              </a:lnSpc>
+              <a:buFont typeface="Wingdings" panose="05000000000000000000" pitchFamily="2" charset="2"/>
+              <a:buChar char="§"/>
+            </a:pPr>
+            <a:r>
+              <a:rPr lang="en-US" sz="2400" dirty="0">
+                <a:solidFill>
+                  <a:srgbClr val="FFFF00"/>
+                </a:solidFill>
+              </a:rPr>
+              <a:t>Meet the acceptance criteria</a:t>
+            </a:r>
           </a:p>
         </p:txBody>
       </p:sp>
